--- a/Chronic Kidney Disease Presentation.pptx
+++ b/Chronic Kidney Disease Presentation.pptx
@@ -37859,7 +37859,15 @@
             </a:pPr>
             <a:r>
               <a:rPr lang="en-US" sz="2000" dirty="0"/>
-              <a:t>Imbalance race, gender and  data presented</a:t>
+              <a:t>Imbalance race, gender </a:t>
+            </a:r>
+            <a:r>
+              <a:rPr lang="en-US" sz="2000"/>
+              <a:t>and data </a:t>
+            </a:r>
+            <a:r>
+              <a:rPr lang="en-US" sz="2000" dirty="0"/>
+              <a:t>presented</a:t>
             </a:r>
           </a:p>
           <a:p>
